--- a/src/coursJava.pptx
+++ b/src/coursJava.pptx
@@ -13581,7 +13581,7 @@
           <a:p>
             <a:fld id="{69DAB825-E6D2-4759-8A75-063036EA011C}" type="datetimeFigureOut">
               <a:rPr lang="fr-FR" smtClean="0"/>
-              <a:t>20/10/2020</a:t>
+              <a:t>05/11/2020</a:t>
             </a:fld>
             <a:endParaRPr lang="fr-FR"/>
           </a:p>
@@ -15551,7 +15551,7 @@
             <a:fld id="{B61BEF0D-F0BB-DE4B-95CE-6DB70DBA9567}" type="datetimeFigureOut">
               <a:rPr lang="en-US" dirty="0"/>
               <a:pPr/>
-              <a:t>10/20/2020</a:t>
+              <a:t>11/5/2020</a:t>
             </a:fld>
             <a:endParaRPr lang="en-US" dirty="0"/>
           </a:p>
@@ -15886,7 +15886,7 @@
             <a:fld id="{B61BEF0D-F0BB-DE4B-95CE-6DB70DBA9567}" type="datetimeFigureOut">
               <a:rPr lang="en-US" dirty="0"/>
               <a:pPr/>
-              <a:t>10/20/2020</a:t>
+              <a:t>11/5/2020</a:t>
             </a:fld>
             <a:endParaRPr lang="en-US" dirty="0"/>
           </a:p>
@@ -16284,7 +16284,7 @@
             <a:fld id="{B61BEF0D-F0BB-DE4B-95CE-6DB70DBA9567}" type="datetimeFigureOut">
               <a:rPr lang="en-US" dirty="0"/>
               <a:pPr/>
-              <a:t>10/20/2020</a:t>
+              <a:t>11/5/2020</a:t>
             </a:fld>
             <a:endParaRPr lang="en-US" dirty="0"/>
           </a:p>
@@ -16617,7 +16617,7 @@
             <a:fld id="{B61BEF0D-F0BB-DE4B-95CE-6DB70DBA9567}" type="datetimeFigureOut">
               <a:rPr lang="en-US" dirty="0"/>
               <a:pPr/>
-              <a:t>10/20/2020</a:t>
+              <a:t>11/5/2020</a:t>
             </a:fld>
             <a:endParaRPr lang="en-US" dirty="0"/>
           </a:p>
@@ -16934,7 +16934,7 @@
             <a:fld id="{B61BEF0D-F0BB-DE4B-95CE-6DB70DBA9567}" type="datetimeFigureOut">
               <a:rPr lang="en-US" dirty="0"/>
               <a:pPr/>
-              <a:t>10/20/2020</a:t>
+              <a:t>11/5/2020</a:t>
             </a:fld>
             <a:endParaRPr lang="en-US" dirty="0"/>
           </a:p>
@@ -17327,7 +17327,7 @@
             <a:fld id="{B61BEF0D-F0BB-DE4B-95CE-6DB70DBA9567}" type="datetimeFigureOut">
               <a:rPr lang="en-US" dirty="0"/>
               <a:pPr/>
-              <a:t>10/20/2020</a:t>
+              <a:t>11/5/2020</a:t>
             </a:fld>
             <a:endParaRPr lang="en-US" dirty="0"/>
           </a:p>
@@ -17581,7 +17581,7 @@
             <a:fld id="{B61BEF0D-F0BB-DE4B-95CE-6DB70DBA9567}" type="datetimeFigureOut">
               <a:rPr lang="en-US" dirty="0"/>
               <a:pPr/>
-              <a:t>10/20/2020</a:t>
+              <a:t>11/5/2020</a:t>
             </a:fld>
             <a:endParaRPr lang="en-US" dirty="0"/>
           </a:p>
@@ -17840,7 +17840,7 @@
             <a:fld id="{B61BEF0D-F0BB-DE4B-95CE-6DB70DBA9567}" type="datetimeFigureOut">
               <a:rPr lang="en-US" dirty="0"/>
               <a:pPr/>
-              <a:t>10/20/2020</a:t>
+              <a:t>11/5/2020</a:t>
             </a:fld>
             <a:endParaRPr lang="en-US" dirty="0"/>
           </a:p>
@@ -18099,7 +18099,7 @@
             <a:fld id="{B61BEF0D-F0BB-DE4B-95CE-6DB70DBA9567}" type="datetimeFigureOut">
               <a:rPr lang="en-US" dirty="0"/>
               <a:pPr/>
-              <a:t>10/20/2020</a:t>
+              <a:t>11/5/2020</a:t>
             </a:fld>
             <a:endParaRPr lang="en-US" dirty="0"/>
           </a:p>
@@ -18425,7 +18425,7 @@
             <a:fld id="{B61BEF0D-F0BB-DE4B-95CE-6DB70DBA9567}" type="datetimeFigureOut">
               <a:rPr lang="en-US" dirty="0"/>
               <a:pPr/>
-              <a:t>10/20/2020</a:t>
+              <a:t>11/5/2020</a:t>
             </a:fld>
             <a:endParaRPr lang="en-US" dirty="0"/>
           </a:p>
@@ -18745,7 +18745,7 @@
             <a:fld id="{B61BEF0D-F0BB-DE4B-95CE-6DB70DBA9567}" type="datetimeFigureOut">
               <a:rPr lang="en-US" dirty="0"/>
               <a:pPr/>
-              <a:t>10/20/2020</a:t>
+              <a:t>11/5/2020</a:t>
             </a:fld>
             <a:endParaRPr lang="en-US" dirty="0"/>
           </a:p>
@@ -19199,7 +19199,7 @@
             <a:fld id="{B61BEF0D-F0BB-DE4B-95CE-6DB70DBA9567}" type="datetimeFigureOut">
               <a:rPr lang="en-US" dirty="0"/>
               <a:pPr/>
-              <a:t>10/20/2020</a:t>
+              <a:t>11/5/2020</a:t>
             </a:fld>
             <a:endParaRPr lang="en-US" dirty="0"/>
           </a:p>
@@ -19401,7 +19401,7 @@
             <a:fld id="{B61BEF0D-F0BB-DE4B-95CE-6DB70DBA9567}" type="datetimeFigureOut">
               <a:rPr lang="en-US" dirty="0"/>
               <a:pPr/>
-              <a:t>10/20/2020</a:t>
+              <a:t>11/5/2020</a:t>
             </a:fld>
             <a:endParaRPr lang="en-US" dirty="0"/>
           </a:p>
@@ -19575,7 +19575,7 @@
             <a:fld id="{B61BEF0D-F0BB-DE4B-95CE-6DB70DBA9567}" type="datetimeFigureOut">
               <a:rPr lang="en-US" dirty="0"/>
               <a:pPr/>
-              <a:t>10/20/2020</a:t>
+              <a:t>11/5/2020</a:t>
             </a:fld>
             <a:endParaRPr lang="en-US" dirty="0"/>
           </a:p>
@@ -19905,7 +19905,7 @@
             <a:fld id="{B61BEF0D-F0BB-DE4B-95CE-6DB70DBA9567}" type="datetimeFigureOut">
               <a:rPr lang="en-US" dirty="0"/>
               <a:pPr/>
-              <a:t>10/20/2020</a:t>
+              <a:t>11/5/2020</a:t>
             </a:fld>
             <a:endParaRPr lang="en-US" dirty="0"/>
           </a:p>
@@ -20247,7 +20247,7 @@
             <a:fld id="{B61BEF0D-F0BB-DE4B-95CE-6DB70DBA9567}" type="datetimeFigureOut">
               <a:rPr lang="en-US" dirty="0"/>
               <a:pPr/>
-              <a:t>10/20/2020</a:t>
+              <a:t>11/5/2020</a:t>
             </a:fld>
             <a:endParaRPr lang="en-US" dirty="0"/>
           </a:p>
@@ -22361,7 +22361,7 @@
             <a:fld id="{B61BEF0D-F0BB-DE4B-95CE-6DB70DBA9567}" type="datetimeFigureOut">
               <a:rPr lang="en-US" dirty="0"/>
               <a:pPr/>
-              <a:t>10/20/2020</a:t>
+              <a:t>11/5/2020</a:t>
             </a:fld>
             <a:endParaRPr lang="en-US" dirty="0"/>
           </a:p>
@@ -37439,7 +37439,7 @@
         </p:spPr>
         <p:txBody>
           <a:bodyPr>
-            <a:normAutofit/>
+            <a:normAutofit lnSpcReduction="10000"/>
           </a:bodyPr>
           <a:lstStyle/>
           <a:p>
@@ -37500,6 +37500,31 @@
                 <a:hlinkClick r:id="rId4"/>
               </a:rPr>
               <a:t>https://docs.oracle.com/en/java/javase/15/docs/api/index.html</a:t>
+            </a:r>
+            <a:endParaRPr kumimoji="0" lang="fr-FR" altLang="fr-FR" sz="1800" b="0" i="0" u="none" strike="noStrike" cap="none" normalizeH="0" baseline="0" dirty="0">
+              <a:ln>
+                <a:noFill/>
+              </a:ln>
+              <a:solidFill>
+                <a:schemeClr val="tx1"/>
+              </a:solidFill>
+              <a:effectLst/>
+              <a:latin typeface="Arial" panose="020B0604020202020204" pitchFamily="34" charset="0"/>
+            </a:endParaRPr>
+          </a:p>
+          <a:p>
+            <a:r>
+              <a:rPr kumimoji="0" lang="fr-FR" altLang="fr-FR" sz="1800" b="0" i="0" u="none" strike="noStrike" cap="none" normalizeH="0" baseline="0">
+                <a:ln>
+                  <a:noFill/>
+                </a:ln>
+                <a:solidFill>
+                  <a:schemeClr val="tx1"/>
+                </a:solidFill>
+                <a:effectLst/>
+                <a:latin typeface="Arial" panose="020B0604020202020204" pitchFamily="34" charset="0"/>
+              </a:rPr>
+              <a:t>https://fr.wikibooks.org/wiki/Programmation_Java</a:t>
             </a:r>
             <a:endParaRPr kumimoji="0" lang="fr-FR" altLang="fr-FR" sz="1800" b="0" i="0" u="none" strike="noStrike" cap="none" normalizeH="0" baseline="0" dirty="0">
               <a:ln>
